--- a/GEO330_2024_WinterQuarter/exercises/Exercise_03/slides/Exercise03_Template.pptx
+++ b/GEO330_2024_WinterQuarter/exercises/Exercise_03/slides/Exercise03_Template.pptx
@@ -9,7 +9,8 @@
     <p:sldId id="256" r:id="rId3"/>
     <p:sldId id="259" r:id="rId4"/>
     <p:sldId id="263" r:id="rId5"/>
-    <p:sldId id="264" r:id="rId6"/>
+    <p:sldId id="265" r:id="rId6"/>
+    <p:sldId id="264" r:id="rId7"/>
   </p:sldIdLst>
   <p:sldSz cx="12192000" cy="6858000"/>
   <p:notesSz cx="6858000" cy="9144000"/>
@@ -119,7 +120,7 @@
 <file path=ppt/revisionInfo.xml><?xml version="1.0" encoding="utf-8"?>
 <p1510:revInfo xmlns:a="http://schemas.openxmlformats.org/drawingml/2006/main" xmlns:r="http://schemas.openxmlformats.org/officeDocument/2006/relationships" xmlns:p1510="http://schemas.microsoft.com/office/powerpoint/2015/10/main">
   <p1510:revLst>
-    <p1510:client id="{22A34298-AB86-4F3D-B88D-2EDDD132645A}" v="1" dt="2024-02-06T22:27:08.624"/>
+    <p1510:client id="{22A34298-AB86-4F3D-B88D-2EDDD132645A}" v="3" dt="2024-02-07T20:20:12.153"/>
   </p1510:revLst>
 </p1510:revInfo>
 </file>
@@ -536,17 +537,25 @@
   </pc:docChgLst>
   <pc:docChgLst>
     <pc:chgData name="Smith, Christopher" userId="f635bcaf-d701-437b-bffd-1a8f160c01d9" providerId="ADAL" clId="{22A34298-AB86-4F3D-B88D-2EDDD132645A}"/>
-    <pc:docChg chg="modSld">
-      <pc:chgData name="Smith, Christopher" userId="f635bcaf-d701-437b-bffd-1a8f160c01d9" providerId="ADAL" clId="{22A34298-AB86-4F3D-B88D-2EDDD132645A}" dt="2024-02-06T22:27:22.009" v="2" actId="20577"/>
+    <pc:docChg chg="addSld delSld modSld sldOrd">
+      <pc:chgData name="Smith, Christopher" userId="f635bcaf-d701-437b-bffd-1a8f160c01d9" providerId="ADAL" clId="{22A34298-AB86-4F3D-B88D-2EDDD132645A}" dt="2024-02-07T20:24:09.951" v="426" actId="20577"/>
       <pc:docMkLst>
         <pc:docMk/>
       </pc:docMkLst>
       <pc:sldChg chg="modSp mod">
-        <pc:chgData name="Smith, Christopher" userId="f635bcaf-d701-437b-bffd-1a8f160c01d9" providerId="ADAL" clId="{22A34298-AB86-4F3D-B88D-2EDDD132645A}" dt="2024-02-06T22:27:22.009" v="2" actId="20577"/>
+        <pc:chgData name="Smith, Christopher" userId="f635bcaf-d701-437b-bffd-1a8f160c01d9" providerId="ADAL" clId="{22A34298-AB86-4F3D-B88D-2EDDD132645A}" dt="2024-02-07T20:13:08.727" v="10" actId="20577"/>
         <pc:sldMkLst>
           <pc:docMk/>
           <pc:sldMk cId="1953362540" sldId="256"/>
         </pc:sldMkLst>
+        <pc:spChg chg="mod">
+          <ac:chgData name="Smith, Christopher" userId="f635bcaf-d701-437b-bffd-1a8f160c01d9" providerId="ADAL" clId="{22A34298-AB86-4F3D-B88D-2EDDD132645A}" dt="2024-02-07T20:13:08.727" v="10" actId="20577"/>
+          <ac:spMkLst>
+            <pc:docMk/>
+            <pc:sldMk cId="1953362540" sldId="256"/>
+            <ac:spMk id="2" creationId="{6C353422-89E6-F3FF-06C2-B4E62917C837}"/>
+          </ac:spMkLst>
+        </pc:spChg>
         <pc:spChg chg="mod">
           <ac:chgData name="Smith, Christopher" userId="f635bcaf-d701-437b-bffd-1a8f160c01d9" providerId="ADAL" clId="{22A34298-AB86-4F3D-B88D-2EDDD132645A}" dt="2024-02-06T22:27:22.009" v="2" actId="20577"/>
           <ac:spMkLst>
@@ -564,8 +573,8 @@
           </ac:spMkLst>
         </pc:spChg>
       </pc:sldChg>
-      <pc:sldChg chg="modSp">
-        <pc:chgData name="Smith, Christopher" userId="f635bcaf-d701-437b-bffd-1a8f160c01d9" providerId="ADAL" clId="{22A34298-AB86-4F3D-B88D-2EDDD132645A}" dt="2024-02-06T22:27:08.624" v="0"/>
+      <pc:sldChg chg="modSp mod">
+        <pc:chgData name="Smith, Christopher" userId="f635bcaf-d701-437b-bffd-1a8f160c01d9" providerId="ADAL" clId="{22A34298-AB86-4F3D-B88D-2EDDD132645A}" dt="2024-02-07T20:16:59.934" v="39" actId="20577"/>
         <pc:sldMkLst>
           <pc:docMk/>
           <pc:sldMk cId="2074702340" sldId="259"/>
@@ -578,9 +587,17 @@
             <ac:spMk id="4" creationId="{6FDEFC58-389A-49FA-BE63-20EA0C26EABD}"/>
           </ac:spMkLst>
         </pc:spChg>
+        <pc:spChg chg="mod">
+          <ac:chgData name="Smith, Christopher" userId="f635bcaf-d701-437b-bffd-1a8f160c01d9" providerId="ADAL" clId="{22A34298-AB86-4F3D-B88D-2EDDD132645A}" dt="2024-02-07T20:16:59.934" v="39" actId="20577"/>
+          <ac:spMkLst>
+            <pc:docMk/>
+            <pc:sldMk cId="2074702340" sldId="259"/>
+            <ac:spMk id="6" creationId="{85F31718-A3B4-621F-29DD-333474CDAAB9}"/>
+          </ac:spMkLst>
+        </pc:spChg>
       </pc:sldChg>
-      <pc:sldChg chg="modSp">
-        <pc:chgData name="Smith, Christopher" userId="f635bcaf-d701-437b-bffd-1a8f160c01d9" providerId="ADAL" clId="{22A34298-AB86-4F3D-B88D-2EDDD132645A}" dt="2024-02-06T22:27:08.624" v="0"/>
+      <pc:sldChg chg="modSp mod">
+        <pc:chgData name="Smith, Christopher" userId="f635bcaf-d701-437b-bffd-1a8f160c01d9" providerId="ADAL" clId="{22A34298-AB86-4F3D-B88D-2EDDD132645A}" dt="2024-02-07T20:09:37.410" v="4" actId="20577"/>
         <pc:sldMkLst>
           <pc:docMk/>
           <pc:sldMk cId="2132968020" sldId="262"/>
@@ -593,9 +610,17 @@
             <ac:spMk id="4" creationId="{6FDEFC58-389A-49FA-BE63-20EA0C26EABD}"/>
           </ac:spMkLst>
         </pc:spChg>
+        <pc:spChg chg="mod">
+          <ac:chgData name="Smith, Christopher" userId="f635bcaf-d701-437b-bffd-1a8f160c01d9" providerId="ADAL" clId="{22A34298-AB86-4F3D-B88D-2EDDD132645A}" dt="2024-02-07T20:09:37.410" v="4" actId="20577"/>
+          <ac:spMkLst>
+            <pc:docMk/>
+            <pc:sldMk cId="2132968020" sldId="262"/>
+            <ac:spMk id="9" creationId="{D87AC69C-C6CC-4FAB-A999-6457ACC399A4}"/>
+          </ac:spMkLst>
+        </pc:spChg>
       </pc:sldChg>
-      <pc:sldChg chg="modSp">
-        <pc:chgData name="Smith, Christopher" userId="f635bcaf-d701-437b-bffd-1a8f160c01d9" providerId="ADAL" clId="{22A34298-AB86-4F3D-B88D-2EDDD132645A}" dt="2024-02-06T22:27:08.624" v="0"/>
+      <pc:sldChg chg="modSp mod">
+        <pc:chgData name="Smith, Christopher" userId="f635bcaf-d701-437b-bffd-1a8f160c01d9" providerId="ADAL" clId="{22A34298-AB86-4F3D-B88D-2EDDD132645A}" dt="2024-02-07T20:21:47.299" v="173" actId="20577"/>
         <pc:sldMkLst>
           <pc:docMk/>
           <pc:sldMk cId="861082683" sldId="263"/>
@@ -608,9 +633,25 @@
             <ac:spMk id="4" creationId="{6FDEFC58-389A-49FA-BE63-20EA0C26EABD}"/>
           </ac:spMkLst>
         </pc:spChg>
+        <pc:spChg chg="mod">
+          <ac:chgData name="Smith, Christopher" userId="f635bcaf-d701-437b-bffd-1a8f160c01d9" providerId="ADAL" clId="{22A34298-AB86-4F3D-B88D-2EDDD132645A}" dt="2024-02-07T20:21:17.749" v="155" actId="20577"/>
+          <ac:spMkLst>
+            <pc:docMk/>
+            <pc:sldMk cId="861082683" sldId="263"/>
+            <ac:spMk id="6" creationId="{85F31718-A3B4-621F-29DD-333474CDAAB9}"/>
+          </ac:spMkLst>
+        </pc:spChg>
+        <pc:spChg chg="mod">
+          <ac:chgData name="Smith, Christopher" userId="f635bcaf-d701-437b-bffd-1a8f160c01d9" providerId="ADAL" clId="{22A34298-AB86-4F3D-B88D-2EDDD132645A}" dt="2024-02-07T20:21:47.299" v="173" actId="20577"/>
+          <ac:spMkLst>
+            <pc:docMk/>
+            <pc:sldMk cId="861082683" sldId="263"/>
+            <ac:spMk id="8" creationId="{A6D699C6-DF86-5F46-D24B-11ED456A1CD6}"/>
+          </ac:spMkLst>
+        </pc:spChg>
       </pc:sldChg>
-      <pc:sldChg chg="modSp">
-        <pc:chgData name="Smith, Christopher" userId="f635bcaf-d701-437b-bffd-1a8f160c01d9" providerId="ADAL" clId="{22A34298-AB86-4F3D-B88D-2EDDD132645A}" dt="2024-02-06T22:27:08.624" v="0"/>
+      <pc:sldChg chg="modSp mod">
+        <pc:chgData name="Smith, Christopher" userId="f635bcaf-d701-437b-bffd-1a8f160c01d9" providerId="ADAL" clId="{22A34298-AB86-4F3D-B88D-2EDDD132645A}" dt="2024-02-07T20:24:09.951" v="426" actId="20577"/>
         <pc:sldMkLst>
           <pc:docMk/>
           <pc:sldMk cId="1054727087" sldId="264"/>
@@ -621,6 +662,60 @@
             <pc:docMk/>
             <pc:sldMk cId="1054727087" sldId="264"/>
             <ac:spMk id="4" creationId="{6FDEFC58-389A-49FA-BE63-20EA0C26EABD}"/>
+          </ac:spMkLst>
+        </pc:spChg>
+        <pc:spChg chg="mod">
+          <ac:chgData name="Smith, Christopher" userId="f635bcaf-d701-437b-bffd-1a8f160c01d9" providerId="ADAL" clId="{22A34298-AB86-4F3D-B88D-2EDDD132645A}" dt="2024-02-07T20:24:09.951" v="426" actId="20577"/>
+          <ac:spMkLst>
+            <pc:docMk/>
+            <pc:sldMk cId="1054727087" sldId="264"/>
+            <ac:spMk id="8" creationId="{A6D699C6-DF86-5F46-D24B-11ED456A1CD6}"/>
+          </ac:spMkLst>
+        </pc:spChg>
+      </pc:sldChg>
+      <pc:sldChg chg="modSp add mod ord">
+        <pc:chgData name="Smith, Christopher" userId="f635bcaf-d701-437b-bffd-1a8f160c01d9" providerId="ADAL" clId="{22A34298-AB86-4F3D-B88D-2EDDD132645A}" dt="2024-02-07T20:23:51.017" v="395" actId="20577"/>
+        <pc:sldMkLst>
+          <pc:docMk/>
+          <pc:sldMk cId="2175799876" sldId="265"/>
+        </pc:sldMkLst>
+        <pc:spChg chg="mod">
+          <ac:chgData name="Smith, Christopher" userId="f635bcaf-d701-437b-bffd-1a8f160c01d9" providerId="ADAL" clId="{22A34298-AB86-4F3D-B88D-2EDDD132645A}" dt="2024-02-07T20:22:37.585" v="267" actId="20577"/>
+          <ac:spMkLst>
+            <pc:docMk/>
+            <pc:sldMk cId="2175799876" sldId="265"/>
+            <ac:spMk id="6" creationId="{AF39096C-08FD-C5AE-7609-8EA9C9656342}"/>
+          </ac:spMkLst>
+        </pc:spChg>
+        <pc:spChg chg="mod">
+          <ac:chgData name="Smith, Christopher" userId="f635bcaf-d701-437b-bffd-1a8f160c01d9" providerId="ADAL" clId="{22A34298-AB86-4F3D-B88D-2EDDD132645A}" dt="2024-02-07T20:23:51.017" v="395" actId="20577"/>
+          <ac:spMkLst>
+            <pc:docMk/>
+            <pc:sldMk cId="2175799876" sldId="265"/>
+            <ac:spMk id="8" creationId="{3A14D789-A7FD-FE79-AF37-05A100ADF252}"/>
+          </ac:spMkLst>
+        </pc:spChg>
+      </pc:sldChg>
+      <pc:sldChg chg="addSp delSp add del setBg delDesignElem">
+        <pc:chgData name="Smith, Christopher" userId="f635bcaf-d701-437b-bffd-1a8f160c01d9" providerId="ADAL" clId="{22A34298-AB86-4F3D-B88D-2EDDD132645A}" dt="2024-02-07T20:20:12.153" v="46"/>
+        <pc:sldMkLst>
+          <pc:docMk/>
+          <pc:sldMk cId="2898071368" sldId="265"/>
+        </pc:sldMkLst>
+        <pc:spChg chg="add del">
+          <ac:chgData name="Smith, Christopher" userId="f635bcaf-d701-437b-bffd-1a8f160c01d9" providerId="ADAL" clId="{22A34298-AB86-4F3D-B88D-2EDDD132645A}" dt="2024-02-07T20:20:12.153" v="46"/>
+          <ac:spMkLst>
+            <pc:docMk/>
+            <pc:sldMk cId="2898071368" sldId="265"/>
+            <ac:spMk id="10" creationId="{449A13E1-5467-2A61-9361-66627A6F7691}"/>
+          </ac:spMkLst>
+        </pc:spChg>
+        <pc:spChg chg="add del">
+          <ac:chgData name="Smith, Christopher" userId="f635bcaf-d701-437b-bffd-1a8f160c01d9" providerId="ADAL" clId="{22A34298-AB86-4F3D-B88D-2EDDD132645A}" dt="2024-02-07T20:20:12.153" v="46"/>
+          <ac:spMkLst>
+            <pc:docMk/>
+            <pc:sldMk cId="2898071368" sldId="265"/>
+            <ac:spMk id="12" creationId="{4BF96A58-9813-30A4-7FF8-959D1EAD2CBD}"/>
           </ac:spMkLst>
         </pc:spChg>
       </pc:sldChg>
@@ -1218,7 +1313,7 @@
           <a:p>
             <a:fld id="{88D38747-4367-4BD2-8D51-C97E202738E2}" type="datetime1">
               <a:rPr lang="en-US" smtClean="0"/>
-              <a:t>2/6/2024</a:t>
+              <a:t>2/7/2024</a:t>
             </a:fld>
             <a:endParaRPr lang="en-US" dirty="0"/>
           </a:p>
@@ -1523,7 +1618,7 @@
           <a:p>
             <a:fld id="{11F1B079-7EF0-44EE-B798-BCC497C9F3B2}" type="datetime1">
               <a:rPr lang="en-US" smtClean="0"/>
-              <a:t>2/6/2024</a:t>
+              <a:t>2/7/2024</a:t>
             </a:fld>
             <a:endParaRPr lang="en-US" dirty="0"/>
           </a:p>
@@ -1717,7 +1812,7 @@
           <a:p>
             <a:fld id="{28FF70A8-1D13-4657-95F0-A9EA54967B8D}" type="datetime1">
               <a:rPr lang="en-US" smtClean="0"/>
-              <a:t>2/6/2024</a:t>
+              <a:t>2/7/2024</a:t>
             </a:fld>
             <a:endParaRPr lang="en-US" dirty="0"/>
           </a:p>
@@ -1980,7 +2075,7 @@
           <a:p>
             <a:fld id="{21EB90AC-71BD-4C7F-8ACA-7B3F18292E63}" type="datetime1">
               <a:rPr lang="en-US" smtClean="0"/>
-              <a:t>2/6/2024</a:t>
+              <a:t>2/7/2024</a:t>
             </a:fld>
             <a:endParaRPr lang="en-US" dirty="0"/>
           </a:p>
@@ -2416,7 +2511,7 @@
           <a:p>
             <a:fld id="{4E6EFC2C-8905-46F0-B443-CE905B76BA01}" type="datetime1">
               <a:rPr lang="en-US" smtClean="0"/>
-              <a:t>2/6/2024</a:t>
+              <a:t>2/7/2024</a:t>
             </a:fld>
             <a:endParaRPr lang="en-US" dirty="0"/>
           </a:p>
@@ -2953,7 +3048,7 @@
           <a:p>
             <a:fld id="{D9079DC3-C9B5-499E-9140-0DC28B7074E2}" type="datetime1">
               <a:rPr lang="en-US" smtClean="0"/>
-              <a:t>2/6/2024</a:t>
+              <a:t>2/7/2024</a:t>
             </a:fld>
             <a:endParaRPr lang="en-US" dirty="0"/>
           </a:p>
@@ -3835,7 +3930,7 @@
           <a:p>
             <a:fld id="{30BB33EA-E472-4D22-9C03-A9C14AA21CED}" type="datetime1">
               <a:rPr lang="en-US" smtClean="0"/>
-              <a:t>2/6/2024</a:t>
+              <a:t>2/7/2024</a:t>
             </a:fld>
             <a:endParaRPr lang="en-US" dirty="0"/>
           </a:p>
@@ -4005,7 +4100,7 @@
           <a:p>
             <a:fld id="{217E833E-1B6D-415F-AD29-75AE8C43BD0D}" type="datetime1">
               <a:rPr lang="en-US" smtClean="0"/>
-              <a:t>2/6/2024</a:t>
+              <a:t>2/7/2024</a:t>
             </a:fld>
             <a:endParaRPr lang="en-US" dirty="0"/>
           </a:p>
@@ -4189,7 +4284,7 @@
           <a:p>
             <a:fld id="{8452596F-08A7-4B70-989A-F2B1CF31E66B}" type="datetime1">
               <a:rPr lang="en-US" smtClean="0"/>
-              <a:t>2/6/2024</a:t>
+              <a:t>2/7/2024</a:t>
             </a:fld>
             <a:endParaRPr lang="en-US" dirty="0"/>
           </a:p>
@@ -4359,7 +4454,7 @@
           <a:p>
             <a:fld id="{73C55A3C-5767-4844-A0A3-83778C2E5409}" type="datetime1">
               <a:rPr lang="en-US" smtClean="0"/>
-              <a:t>2/6/2024</a:t>
+              <a:t>2/7/2024</a:t>
             </a:fld>
             <a:endParaRPr lang="en-US" dirty="0"/>
           </a:p>
@@ -4603,7 +4698,7 @@
           <a:p>
             <a:fld id="{CAE507A8-A5CF-4D38-AB86-7EDDA87A85D4}" type="datetime1">
               <a:rPr lang="en-US" smtClean="0"/>
-              <a:t>2/6/2024</a:t>
+              <a:t>2/7/2024</a:t>
             </a:fld>
             <a:endParaRPr lang="en-US" dirty="0"/>
           </a:p>
@@ -4845,7 +4940,7 @@
           <a:p>
             <a:fld id="{BDFCD27C-8599-43EF-BA1D-14DDC1946E06}" type="datetime1">
               <a:rPr lang="en-US" smtClean="0"/>
-              <a:t>2/6/2024</a:t>
+              <a:t>2/7/2024</a:t>
             </a:fld>
             <a:endParaRPr lang="en-US" dirty="0"/>
           </a:p>
@@ -5326,7 +5421,7 @@
           <a:p>
             <a:fld id="{49343D99-809A-49C0-96E5-4250D0B498EE}" type="datetime1">
               <a:rPr lang="en-US" smtClean="0"/>
-              <a:t>2/6/2024</a:t>
+              <a:t>2/7/2024</a:t>
             </a:fld>
             <a:endParaRPr lang="en-US" dirty="0"/>
           </a:p>
@@ -5444,7 +5539,7 @@
           <a:p>
             <a:fld id="{A143DE9B-B678-4EFB-BB7D-A4370204A0B0}" type="datetime1">
               <a:rPr lang="en-US" smtClean="0"/>
-              <a:t>2/6/2024</a:t>
+              <a:t>2/7/2024</a:t>
             </a:fld>
             <a:endParaRPr lang="en-US" dirty="0"/>
           </a:p>
@@ -5539,7 +5634,7 @@
           <a:p>
             <a:fld id="{E68812DA-F765-4142-A6A3-A8ED7235E082}" type="datetime1">
               <a:rPr lang="en-US" smtClean="0"/>
-              <a:t>2/6/2024</a:t>
+              <a:t>2/7/2024</a:t>
             </a:fld>
             <a:endParaRPr lang="en-US" dirty="0"/>
           </a:p>
@@ -5794,7 +5889,7 @@
           <a:p>
             <a:fld id="{3E0277FD-7DE6-41D4-930D-AC99F5AFE54E}" type="datetime1">
               <a:rPr lang="en-US" smtClean="0"/>
-              <a:t>2/6/2024</a:t>
+              <a:t>2/7/2024</a:t>
             </a:fld>
             <a:endParaRPr lang="en-US" dirty="0"/>
           </a:p>
@@ -6101,7 +6196,7 @@
           <a:p>
             <a:fld id="{9EA15526-7079-4B7B-987C-1B5FAE11A0FF}" type="datetime1">
               <a:rPr lang="en-US" smtClean="0"/>
-              <a:t>2/6/2024</a:t>
+              <a:t>2/7/2024</a:t>
             </a:fld>
             <a:endParaRPr lang="en-US" dirty="0"/>
           </a:p>
@@ -6336,7 +6431,7 @@
           <a:p>
             <a:fld id="{073ED0CC-082F-4160-86E5-0D6041F12778}" type="datetime1">
               <a:rPr lang="en-US" smtClean="0"/>
-              <a:t>2/6/2024</a:t>
+              <a:t>2/7/2024</a:t>
             </a:fld>
             <a:endParaRPr lang="en-US" dirty="0"/>
           </a:p>
@@ -7394,7 +7489,7 @@
                 <a:latin typeface="Calisto MT" panose="02040603050505030304"/>
                 <a:cs typeface="Courier New" panose="02070309020205020404" pitchFamily="49" charset="0"/>
               </a:rPr>
-              <a:t>In the space below to copy/paste/insert a custom version (new color palette) of Figure 1 (map  of CCVI Scores by Community Area) from the exercise.</a:t>
+              <a:t>In the space below to copy/paste/insert a custom version (new color palette) of Figure 2 (map  of CCVI Scores by Community Area) from the exercise.</a:t>
             </a:r>
             <a:endParaRPr kumimoji="0" lang="en-US" sz="1800" b="0" i="0" u="none" strike="noStrike" kern="1200" cap="none" spc="0" normalizeH="0" baseline="0" noProof="0" dirty="0">
               <a:ln>
@@ -7900,7 +7995,7 @@
                 <a:latin typeface="Calisto MT" panose="02040603050505030304"/>
                 <a:cs typeface="Courier New" panose="02070309020205020404" pitchFamily="49" charset="0"/>
               </a:rPr>
-              <a:t>In the space below to copy/paste/insert Figure 2 or 3 from the exercise.</a:t>
+              <a:t>In the space below to copy/paste/insert Figure 3 or 4 from the exercise.</a:t>
             </a:r>
             <a:endParaRPr kumimoji="0" lang="en-US" sz="1800" b="0" i="0" u="none" strike="noStrike" kern="1200" cap="none" spc="0" normalizeH="0" baseline="0" noProof="0" dirty="0">
               <a:ln>
@@ -8397,7 +8492,7 @@
         <p:spPr>
           <a:xfrm>
             <a:off x="4845125" y="215240"/>
-            <a:ext cx="7014643" cy="369332"/>
+            <a:ext cx="7014643" cy="646331"/>
           </a:xfrm>
           <a:prstGeom prst="rect">
             <a:avLst/>
@@ -8435,7 +8530,7 @@
                 <a:latin typeface="Calisto MT" panose="02040603050505030304"/>
                 <a:cs typeface="Courier New" panose="02070309020205020404" pitchFamily="49" charset="0"/>
               </a:rPr>
-              <a:t>In the space below to copy/paste/insert Figure 4 from the exercise.</a:t>
+              <a:t>In the space below to copy/paste/insert your customized version of Figure 6 from the exercise.</a:t>
             </a:r>
             <a:endParaRPr kumimoji="0" lang="en-US" sz="1800" b="0" i="0" u="none" strike="noStrike" kern="1200" cap="none" spc="0" normalizeH="0" baseline="0" noProof="0" dirty="0">
               <a:ln>
@@ -8885,7 +8980,7 @@
         <p:spPr>
           <a:xfrm>
             <a:off x="4845125" y="215240"/>
-            <a:ext cx="7014643" cy="646331"/>
+            <a:ext cx="7014643" cy="923330"/>
           </a:xfrm>
           <a:prstGeom prst="rect">
             <a:avLst/>
@@ -8930,7 +9025,34 @@
                 <a:ea typeface="+mn-ea"/>
                 <a:cs typeface="Courier New" panose="02070309020205020404" pitchFamily="49" charset="0"/>
               </a:rPr>
-              <a:t>In the space below to copy/paste/insert Figure 5 or 6 from the exercise.</a:t>
+              <a:t>In the space below to copy/paste/insert </a:t>
+            </a:r>
+            <a:r>
+              <a:rPr lang="en-US" dirty="0">
+                <a:solidFill>
+                  <a:prstClr val="black"/>
+                </a:solidFill>
+                <a:latin typeface="Calisto MT" panose="02040603050505030304"/>
+                <a:cs typeface="Courier New" panose="02070309020205020404" pitchFamily="49" charset="0"/>
+              </a:rPr>
+              <a:t>your customized version of Figure </a:t>
+            </a:r>
+            <a:r>
+              <a:rPr kumimoji="0" lang="en-US" sz="1800" b="0" i="0" u="none" strike="noStrike" kern="1200" cap="none" spc="0" normalizeH="0" baseline="0" noProof="0" dirty="0">
+                <a:ln>
+                  <a:noFill/>
+                </a:ln>
+                <a:solidFill>
+                  <a:prstClr val="black"/>
+                </a:solidFill>
+                <a:effectLst/>
+                <a:uLnTx/>
+                <a:uFillTx/>
+                <a:latin typeface="Calisto MT" panose="02040603050505030304"/>
+                <a:ea typeface="+mn-ea"/>
+                <a:cs typeface="Courier New" panose="02070309020205020404" pitchFamily="49" charset="0"/>
+              </a:rPr>
+              <a:t>8 from the exercise, showing trends across the two lines you selected.</a:t>
             </a:r>
           </a:p>
         </p:txBody>
@@ -9022,7 +9144,7 @@
                 <a:ea typeface="+mn-ea"/>
                 <a:cs typeface="Courier New" panose="02070309020205020404" pitchFamily="49" charset="0"/>
               </a:rPr>
-              <a:t>How does ridership vary with respect to station CCVI and line?  </a:t>
+              <a:t>How does ridership vary with respect to these lines over time?  </a:t>
             </a:r>
           </a:p>
         </p:txBody>
@@ -9064,7 +9186,13 @@
     </p:bg>
     <p:spTree>
       <p:nvGrpSpPr>
-        <p:cNvPr id="1" name=""/>
+        <p:cNvPr id="1" name="">
+          <a:extLst>
+            <a:ext uri="{FF2B5EF4-FFF2-40B4-BE49-F238E27FC236}">
+              <a16:creationId xmlns:a16="http://schemas.microsoft.com/office/drawing/2014/main" id="{1EBBAA2C-EE20-1A75-A0D1-27D24FCD9143}"/>
+            </a:ext>
+          </a:extLst>
+        </p:cNvPr>
         <p:cNvGrpSpPr/>
         <p:nvPr/>
       </p:nvGrpSpPr>
@@ -9081,7 +9209,7 @@
           <p:cNvPr id="10" name="Rectangle 9">
             <a:extLst>
               <a:ext uri="{FF2B5EF4-FFF2-40B4-BE49-F238E27FC236}">
-                <a16:creationId xmlns:a16="http://schemas.microsoft.com/office/drawing/2014/main" id="{1E70A317-DCED-4E80-AA2D-467D8702E5CB}"/>
+                <a16:creationId xmlns:a16="http://schemas.microsoft.com/office/drawing/2014/main" id="{896E160D-1CE8-DD70-3799-A3AC1C3E8003}"/>
               </a:ext>
               <a:ext uri="{C183D7F6-B498-43B3-948B-1728B52AA6E4}">
                 <adec:decorative xmlns:adec="http://schemas.microsoft.com/office/drawing/2017/decorative" val="1"/>
@@ -9170,7 +9298,7 @@
           <p:cNvPr id="4" name="TextBox 3">
             <a:extLst>
               <a:ext uri="{FF2B5EF4-FFF2-40B4-BE49-F238E27FC236}">
-                <a16:creationId xmlns:a16="http://schemas.microsoft.com/office/drawing/2014/main" id="{6FDEFC58-389A-49FA-BE63-20EA0C26EABD}"/>
+                <a16:creationId xmlns:a16="http://schemas.microsoft.com/office/drawing/2014/main" id="{161065BC-2BAB-8468-81E4-8212D55E8F2E}"/>
               </a:ext>
             </a:extLst>
           </p:cNvPr>
@@ -9294,7 +9422,7 @@
           <p:cNvPr id="12" name="Rectangle 11">
             <a:extLst>
               <a:ext uri="{FF2B5EF4-FFF2-40B4-BE49-F238E27FC236}">
-                <a16:creationId xmlns:a16="http://schemas.microsoft.com/office/drawing/2014/main" id="{A6D87845-294F-40CB-BC48-46455460D292}"/>
+                <a16:creationId xmlns:a16="http://schemas.microsoft.com/office/drawing/2014/main" id="{065D2CCD-1A87-2FA2-2E4E-7B816A71DF16}"/>
               </a:ext>
               <a:ext uri="{C183D7F6-B498-43B3-948B-1728B52AA6E4}">
                 <adec:decorative xmlns:adec="http://schemas.microsoft.com/office/drawing/2017/decorative" val="1"/>
@@ -9383,10 +9511,57 @@
       </p:sp>
       <p:sp>
         <p:nvSpPr>
+          <p:cNvPr id="5" name="Rectangle 4">
+            <a:extLst>
+              <a:ext uri="{FF2B5EF4-FFF2-40B4-BE49-F238E27FC236}">
+                <a16:creationId xmlns:a16="http://schemas.microsoft.com/office/drawing/2014/main" id="{A40B74E0-7065-5F3A-F126-2B8356D3CD7C}"/>
+              </a:ext>
+            </a:extLst>
+          </p:cNvPr>
+          <p:cNvSpPr/>
+          <p:nvPr/>
+        </p:nvSpPr>
+        <p:spPr>
+          <a:xfrm>
+            <a:off x="4919472" y="851086"/>
+            <a:ext cx="7068704" cy="3420178"/>
+          </a:xfrm>
+          <a:prstGeom prst="rect">
+            <a:avLst/>
+          </a:prstGeom>
+          <a:noFill/>
+        </p:spPr>
+        <p:style>
+          <a:lnRef idx="2">
+            <a:schemeClr val="accent1">
+              <a:shade val="50000"/>
+            </a:schemeClr>
+          </a:lnRef>
+          <a:fillRef idx="1">
+            <a:schemeClr val="accent1"/>
+          </a:fillRef>
+          <a:effectRef idx="0">
+            <a:schemeClr val="accent1"/>
+          </a:effectRef>
+          <a:fontRef idx="minor">
+            <a:schemeClr val="lt1"/>
+          </a:fontRef>
+        </p:style>
+        <p:txBody>
+          <a:bodyPr rtlCol="0" anchor="ctr"/>
+          <a:lstStyle/>
+          <a:p>
+            <a:pPr algn="ctr"/>
+            <a:endParaRPr lang="en-US"/>
+          </a:p>
+        </p:txBody>
+      </p:sp>
+      <p:sp>
+        <p:nvSpPr>
           <p:cNvPr id="6" name="TextBox 5">
             <a:extLst>
               <a:ext uri="{FF2B5EF4-FFF2-40B4-BE49-F238E27FC236}">
-                <a16:creationId xmlns:a16="http://schemas.microsoft.com/office/drawing/2014/main" id="{85F31718-A3B4-621F-29DD-333474CDAAB9}"/>
+                <a16:creationId xmlns:a16="http://schemas.microsoft.com/office/drawing/2014/main" id="{AF39096C-08FD-C5AE-7609-8EA9C9656342}"/>
               </a:ext>
             </a:extLst>
           </p:cNvPr>
@@ -9396,7 +9571,7 @@
         <p:spPr>
           <a:xfrm>
             <a:off x="4845125" y="215240"/>
-            <a:ext cx="7014643" cy="923330"/>
+            <a:ext cx="7014643" cy="646331"/>
           </a:xfrm>
           <a:prstGeom prst="rect">
             <a:avLst/>
@@ -9427,22 +9602,29 @@
               <a:defRPr/>
             </a:pPr>
             <a:r>
-              <a:rPr kumimoji="0" lang="en-US" sz="1800" b="0" i="0" u="none" strike="noStrike" kern="1200" cap="none" spc="0" normalizeH="0" baseline="0" noProof="0" dirty="0">
-                <a:ln>
-                  <a:noFill/>
-                </a:ln>
+              <a:rPr lang="en-US" dirty="0">
                 <a:solidFill>
                   <a:prstClr val="black"/>
                 </a:solidFill>
-                <a:effectLst/>
-                <a:uLnTx/>
-                <a:uFillTx/>
                 <a:latin typeface="Calisto MT" panose="02040603050505030304"/>
-                <a:ea typeface="+mn-ea"/>
                 <a:cs typeface="Courier New" panose="02070309020205020404" pitchFamily="49" charset="0"/>
               </a:rPr>
-              <a:t>Summarize some potential short- and longer-term implications the pandemic has had on sustainable transportation and public transit ridership?</a:t>
-            </a:r>
+              <a:t>In the space below to copy/paste/insert your customized map created in QGIS showing the two lines you selected.</a:t>
+            </a:r>
+            <a:endParaRPr kumimoji="0" lang="en-US" sz="1800" b="0" i="0" u="none" strike="noStrike" kern="1200" cap="none" spc="0" normalizeH="0" baseline="0" noProof="0" dirty="0">
+              <a:ln>
+                <a:noFill/>
+              </a:ln>
+              <a:solidFill>
+                <a:prstClr val="black"/>
+              </a:solidFill>
+              <a:effectLst/>
+              <a:uLnTx/>
+              <a:uFillTx/>
+              <a:latin typeface="Calisto MT" panose="02040603050505030304"/>
+              <a:ea typeface="+mn-ea"/>
+              <a:cs typeface="Courier New" panose="02070309020205020404" pitchFamily="49" charset="0"/>
+            </a:endParaRPr>
           </a:p>
         </p:txBody>
       </p:sp>
@@ -9451,7 +9633,7 @@
           <p:cNvPr id="8" name="TextBox 7">
             <a:extLst>
               <a:ext uri="{FF2B5EF4-FFF2-40B4-BE49-F238E27FC236}">
-                <a16:creationId xmlns:a16="http://schemas.microsoft.com/office/drawing/2014/main" id="{A6D699C6-DF86-5F46-D24B-11ED456A1CD6}"/>
+                <a16:creationId xmlns:a16="http://schemas.microsoft.com/office/drawing/2014/main" id="{3A14D789-A7FD-FE79-AF37-05A100ADF252}"/>
               </a:ext>
             </a:extLst>
           </p:cNvPr>
@@ -9460,7 +9642,7 @@
         </p:nvSpPr>
         <p:spPr>
           <a:xfrm>
-            <a:off x="4804486" y="3490954"/>
+            <a:off x="4804486" y="4566221"/>
             <a:ext cx="7143049" cy="646331"/>
           </a:xfrm>
           <a:prstGeom prst="rect">
@@ -9501,6 +9683,395 @@
             </a:lvl1pPr>
           </a:lstStyle>
           <a:p>
+            <a:r>
+              <a:rPr lang="en-US" dirty="0"/>
+              <a:t>Characterize the CTA lines relative to the CCVI scores in the neighborhoods they run through.</a:t>
+            </a:r>
+          </a:p>
+        </p:txBody>
+      </p:sp>
+    </p:spTree>
+    <p:extLst>
+      <p:ext uri="{BB962C8B-B14F-4D97-AF65-F5344CB8AC3E}">
+        <p14:creationId xmlns:p14="http://schemas.microsoft.com/office/powerpoint/2010/main" val="2175799876"/>
+      </p:ext>
+    </p:extLst>
+  </p:cSld>
+  <p:clrMapOvr>
+    <a:masterClrMapping/>
+  </p:clrMapOvr>
+</p:sld>
+</file>
+
+<file path=ppt/slides/slide6.xml><?xml version="1.0" encoding="utf-8"?>
+<p:sld xmlns:a="http://schemas.openxmlformats.org/drawingml/2006/main" xmlns:r="http://schemas.openxmlformats.org/officeDocument/2006/relationships" xmlns:p="http://schemas.openxmlformats.org/presentationml/2006/main">
+  <p:cSld>
+    <p:bg>
+      <p:bgPr>
+        <a:blipFill rotWithShape="1">
+          <a:blip r:embed="rId2">
+            <a:duotone>
+              <a:schemeClr val="bg1">
+                <a:shade val="80000"/>
+                <a:lumMod val="80000"/>
+              </a:schemeClr>
+              <a:schemeClr val="bg1">
+                <a:tint val="98000"/>
+              </a:schemeClr>
+            </a:duotone>
+          </a:blip>
+          <a:stretch/>
+        </a:blipFill>
+        <a:effectLst/>
+      </p:bgPr>
+    </p:bg>
+    <p:spTree>
+      <p:nvGrpSpPr>
+        <p:cNvPr id="1" name=""/>
+        <p:cNvGrpSpPr/>
+        <p:nvPr/>
+      </p:nvGrpSpPr>
+      <p:grpSpPr>
+        <a:xfrm>
+          <a:off x="0" y="0"/>
+          <a:ext cx="0" cy="0"/>
+          <a:chOff x="0" y="0"/>
+          <a:chExt cx="0" cy="0"/>
+        </a:xfrm>
+      </p:grpSpPr>
+      <p:sp useBgFill="1">
+        <p:nvSpPr>
+          <p:cNvPr id="10" name="Rectangle 9">
+            <a:extLst>
+              <a:ext uri="{FF2B5EF4-FFF2-40B4-BE49-F238E27FC236}">
+                <a16:creationId xmlns:a16="http://schemas.microsoft.com/office/drawing/2014/main" id="{1E70A317-DCED-4E80-AA2D-467D8702E5CB}"/>
+              </a:ext>
+              <a:ext uri="{C183D7F6-B498-43B3-948B-1728B52AA6E4}">
+                <adec:decorative xmlns:adec="http://schemas.microsoft.com/office/drawing/2017/decorative" val="1"/>
+              </a:ext>
+            </a:extLst>
+          </p:cNvPr>
+          <p:cNvSpPr>
+            <a:spLocks noGrp="1" noRot="1" noChangeAspect="1" noMove="1" noResize="1" noEditPoints="1" noAdjustHandles="1" noChangeArrowheads="1" noChangeShapeType="1" noTextEdit="1"/>
+          </p:cNvSpPr>
+          <p:nvPr>
+            <p:extLst>
+              <p:ext uri="{386F3935-93C4-4BCD-93E2-E3B085C9AB24}">
+                <p16:designElem xmlns:p16="http://schemas.microsoft.com/office/powerpoint/2015/main" val="1"/>
+              </p:ext>
+            </p:extLst>
+          </p:nvPr>
+        </p:nvSpPr>
+        <p:spPr>
+          <a:xfrm>
+            <a:off x="0" y="0"/>
+            <a:ext cx="12192000" cy="6858000"/>
+          </a:xfrm>
+          <a:prstGeom prst="rect">
+            <a:avLst/>
+          </a:prstGeom>
+          <a:ln>
+            <a:noFill/>
+          </a:ln>
+        </p:spPr>
+        <p:style>
+          <a:lnRef idx="2">
+            <a:schemeClr val="accent1">
+              <a:shade val="50000"/>
+            </a:schemeClr>
+          </a:lnRef>
+          <a:fillRef idx="1">
+            <a:schemeClr val="accent1"/>
+          </a:fillRef>
+          <a:effectRef idx="0">
+            <a:schemeClr val="accent1"/>
+          </a:effectRef>
+          <a:fontRef idx="minor">
+            <a:schemeClr val="lt1"/>
+          </a:fontRef>
+        </p:style>
+        <p:txBody>
+          <a:bodyPr rtlCol="0" anchor="ctr"/>
+          <a:lstStyle/>
+          <a:p>
+            <a:pPr marL="0" marR="0" lvl="0" indent="0" algn="ctr" defTabSz="914400" rtl="0" eaLnBrk="1" fontAlgn="auto" latinLnBrk="0" hangingPunct="1">
+              <a:lnSpc>
+                <a:spcPct val="100000"/>
+              </a:lnSpc>
+              <a:spcBef>
+                <a:spcPts val="0"/>
+              </a:spcBef>
+              <a:spcAft>
+                <a:spcPts val="0"/>
+              </a:spcAft>
+              <a:buClrTx/>
+              <a:buSzTx/>
+              <a:buFontTx/>
+              <a:buNone/>
+              <a:tabLst/>
+              <a:defRPr/>
+            </a:pPr>
+            <a:endParaRPr kumimoji="0" lang="en-US" sz="1800" b="0" i="0" u="none" strike="noStrike" kern="1200" cap="none" spc="0" normalizeH="0" baseline="0" noProof="0">
+              <a:ln>
+                <a:noFill/>
+              </a:ln>
+              <a:solidFill>
+                <a:prstClr val="white"/>
+              </a:solidFill>
+              <a:effectLst/>
+              <a:uLnTx/>
+              <a:uFillTx/>
+              <a:latin typeface="Calisto MT" panose="02040603050505030304"/>
+              <a:ea typeface="+mn-ea"/>
+              <a:cs typeface="+mn-cs"/>
+            </a:endParaRPr>
+          </a:p>
+        </p:txBody>
+      </p:sp>
+      <p:sp>
+        <p:nvSpPr>
+          <p:cNvPr id="4" name="TextBox 3">
+            <a:extLst>
+              <a:ext uri="{FF2B5EF4-FFF2-40B4-BE49-F238E27FC236}">
+                <a16:creationId xmlns:a16="http://schemas.microsoft.com/office/drawing/2014/main" id="{6FDEFC58-389A-49FA-BE63-20EA0C26EABD}"/>
+              </a:ext>
+            </a:extLst>
+          </p:cNvPr>
+          <p:cNvSpPr txBox="1"/>
+          <p:nvPr/>
+        </p:nvSpPr>
+        <p:spPr>
+          <a:xfrm>
+            <a:off x="861791" y="835383"/>
+            <a:ext cx="3382832" cy="3499549"/>
+          </a:xfrm>
+          <a:prstGeom prst="rect">
+            <a:avLst/>
+          </a:prstGeom>
+        </p:spPr>
+        <p:txBody>
+          <a:bodyPr vert="horz" lIns="91440" tIns="45720" rIns="91440" bIns="45720" rtlCol="0" anchor="b">
+            <a:normAutofit/>
+          </a:bodyPr>
+          <a:lstStyle/>
+          <a:p>
+            <a:pPr marL="0" marR="0" lvl="0" indent="0" algn="l" defTabSz="457200" rtl="0" eaLnBrk="1" fontAlgn="auto" latinLnBrk="0" hangingPunct="1">
+              <a:lnSpc>
+                <a:spcPct val="90000"/>
+              </a:lnSpc>
+              <a:spcBef>
+                <a:spcPct val="0"/>
+              </a:spcBef>
+              <a:spcAft>
+                <a:spcPts val="600"/>
+              </a:spcAft>
+              <a:buClrTx/>
+              <a:buSzTx/>
+              <a:buFontTx/>
+              <a:buNone/>
+              <a:tabLst/>
+              <a:defRPr/>
+            </a:pPr>
+            <a:r>
+              <a:rPr kumimoji="0" lang="en-US" sz="2900" b="0" i="0" u="none" strike="noStrike" kern="1200" cap="none" spc="0" normalizeH="0" baseline="0" noProof="0" dirty="0">
+                <a:ln>
+                  <a:solidFill>
+                    <a:prstClr val="black">
+                      <a:lumMod val="75000"/>
+                      <a:lumOff val="25000"/>
+                      <a:alpha val="10000"/>
+                    </a:prstClr>
+                  </a:solidFill>
+                </a:ln>
+                <a:solidFill>
+                  <a:srgbClr val="DADADA"/>
+                </a:solidFill>
+                <a:effectLst>
+                  <a:outerShdw blurRad="9525" dist="25400" dir="14640000" algn="tl" rotWithShape="0">
+                    <a:prstClr val="black">
+                      <a:alpha val="30000"/>
+                    </a:prstClr>
+                  </a:outerShdw>
+                </a:effectLst>
+                <a:uLnTx/>
+                <a:uFillTx/>
+                <a:latin typeface="Calisto MT" panose="02040603050505030304"/>
+                <a:ea typeface="+mn-ea"/>
+                <a:cs typeface="+mn-cs"/>
+              </a:rPr>
+              <a:t>GEO 3330 Sustainable Urban Transportation</a:t>
+            </a:r>
+          </a:p>
+          <a:p>
+            <a:pPr marL="0" marR="0" lvl="0" indent="0" algn="l" defTabSz="457200" rtl="0" eaLnBrk="1" fontAlgn="auto" latinLnBrk="0" hangingPunct="1">
+              <a:lnSpc>
+                <a:spcPct val="90000"/>
+              </a:lnSpc>
+              <a:spcBef>
+                <a:spcPct val="0"/>
+              </a:spcBef>
+              <a:spcAft>
+                <a:spcPts val="600"/>
+              </a:spcAft>
+              <a:buClrTx/>
+              <a:buSzTx/>
+              <a:buFontTx/>
+              <a:buNone/>
+              <a:tabLst/>
+              <a:defRPr/>
+            </a:pPr>
+            <a:r>
+              <a:rPr kumimoji="0" lang="en-US" sz="2900" b="0" i="0" u="none" strike="noStrike" kern="1200" cap="none" spc="0" normalizeH="0" baseline="0" noProof="0" dirty="0">
+                <a:ln>
+                  <a:solidFill>
+                    <a:prstClr val="black">
+                      <a:lumMod val="75000"/>
+                      <a:lumOff val="25000"/>
+                      <a:alpha val="10000"/>
+                    </a:prstClr>
+                  </a:solidFill>
+                </a:ln>
+                <a:solidFill>
+                  <a:srgbClr val="DADADA"/>
+                </a:solidFill>
+                <a:effectLst>
+                  <a:outerShdw blurRad="9525" dist="25400" dir="14640000" algn="tl" rotWithShape="0">
+                    <a:prstClr val="black">
+                      <a:alpha val="30000"/>
+                    </a:prstClr>
+                  </a:outerShdw>
+                </a:effectLst>
+                <a:uLnTx/>
+                <a:uFillTx/>
+                <a:latin typeface="Calisto MT" panose="02040603050505030304"/>
+                <a:ea typeface="+mn-ea"/>
+                <a:cs typeface="+mn-cs"/>
+              </a:rPr>
+              <a:t>Exercise #3: L Station Ridership Trends</a:t>
+            </a:r>
+          </a:p>
+        </p:txBody>
+      </p:sp>
+      <p:sp>
+        <p:nvSpPr>
+          <p:cNvPr id="12" name="Rectangle 11">
+            <a:extLst>
+              <a:ext uri="{FF2B5EF4-FFF2-40B4-BE49-F238E27FC236}">
+                <a16:creationId xmlns:a16="http://schemas.microsoft.com/office/drawing/2014/main" id="{A6D87845-294F-40CB-BC48-46455460D292}"/>
+              </a:ext>
+              <a:ext uri="{C183D7F6-B498-43B3-948B-1728B52AA6E4}">
+                <adec:decorative xmlns:adec="http://schemas.microsoft.com/office/drawing/2017/decorative" val="1"/>
+              </a:ext>
+            </a:extLst>
+          </p:cNvPr>
+          <p:cNvSpPr>
+            <a:spLocks noGrp="1" noRot="1" noChangeAspect="1" noMove="1" noResize="1" noEditPoints="1" noAdjustHandles="1" noChangeArrowheads="1" noChangeShapeType="1" noTextEdit="1"/>
+          </p:cNvSpPr>
+          <p:nvPr>
+            <p:extLst>
+              <p:ext uri="{386F3935-93C4-4BCD-93E2-E3B085C9AB24}">
+                <p16:designElem xmlns:p16="http://schemas.microsoft.com/office/powerpoint/2015/main" val="1"/>
+              </p:ext>
+            </p:extLst>
+          </p:nvPr>
+        </p:nvSpPr>
+        <p:spPr>
+          <a:xfrm>
+            <a:off x="4655671" y="0"/>
+            <a:ext cx="7536329" cy="6858000"/>
+          </a:xfrm>
+          <a:prstGeom prst="rect">
+            <a:avLst/>
+          </a:prstGeom>
+          <a:solidFill>
+            <a:schemeClr val="tx1"/>
+          </a:solidFill>
+          <a:ln>
+            <a:noFill/>
+          </a:ln>
+        </p:spPr>
+        <p:style>
+          <a:lnRef idx="2">
+            <a:schemeClr val="accent1">
+              <a:shade val="50000"/>
+            </a:schemeClr>
+          </a:lnRef>
+          <a:fillRef idx="1">
+            <a:schemeClr val="accent1"/>
+          </a:fillRef>
+          <a:effectRef idx="0">
+            <a:schemeClr val="accent1"/>
+          </a:effectRef>
+          <a:fontRef idx="minor">
+            <a:schemeClr val="lt1"/>
+          </a:fontRef>
+        </p:style>
+        <p:txBody>
+          <a:bodyPr rtlCol="0" anchor="ctr"/>
+          <a:lstStyle/>
+          <a:p>
+            <a:pPr marL="0" marR="0" lvl="0" indent="0" algn="ctr" defTabSz="914400" rtl="0" eaLnBrk="1" fontAlgn="auto" latinLnBrk="0" hangingPunct="1">
+              <a:lnSpc>
+                <a:spcPct val="100000"/>
+              </a:lnSpc>
+              <a:spcBef>
+                <a:spcPts val="0"/>
+              </a:spcBef>
+              <a:spcAft>
+                <a:spcPts val="0"/>
+              </a:spcAft>
+              <a:buClrTx/>
+              <a:buSzTx/>
+              <a:buFontTx/>
+              <a:buNone/>
+              <a:tabLst/>
+              <a:defRPr/>
+            </a:pPr>
+            <a:endParaRPr kumimoji="0" lang="en-US" sz="1800" b="0" i="0" u="none" strike="noStrike" kern="1200" cap="none" spc="0" normalizeH="0" baseline="0" noProof="0">
+              <a:ln>
+                <a:noFill/>
+              </a:ln>
+              <a:solidFill>
+                <a:prstClr val="white"/>
+              </a:solidFill>
+              <a:effectLst/>
+              <a:uLnTx/>
+              <a:uFillTx/>
+              <a:latin typeface="Calisto MT" panose="02040603050505030304"/>
+              <a:ea typeface="+mn-ea"/>
+              <a:cs typeface="+mn-cs"/>
+            </a:endParaRPr>
+          </a:p>
+        </p:txBody>
+      </p:sp>
+      <p:sp>
+        <p:nvSpPr>
+          <p:cNvPr id="6" name="TextBox 5">
+            <a:extLst>
+              <a:ext uri="{FF2B5EF4-FFF2-40B4-BE49-F238E27FC236}">
+                <a16:creationId xmlns:a16="http://schemas.microsoft.com/office/drawing/2014/main" id="{85F31718-A3B4-621F-29DD-333474CDAAB9}"/>
+              </a:ext>
+            </a:extLst>
+          </p:cNvPr>
+          <p:cNvSpPr txBox="1"/>
+          <p:nvPr/>
+        </p:nvSpPr>
+        <p:spPr>
+          <a:xfrm>
+            <a:off x="4845125" y="215240"/>
+            <a:ext cx="7014643" cy="923330"/>
+          </a:xfrm>
+          <a:prstGeom prst="rect">
+            <a:avLst/>
+          </a:prstGeom>
+          <a:noFill/>
+        </p:spPr>
+        <p:txBody>
+          <a:bodyPr wrap="square" rtlCol="0">
+            <a:spAutoFit/>
+          </a:bodyPr>
+          <a:lstStyle/>
+          <a:p>
             <a:pPr marL="0" marR="0" lvl="0" indent="0" algn="l" defTabSz="914400" rtl="0" eaLnBrk="1" fontAlgn="auto" latinLnBrk="0" hangingPunct="1">
               <a:lnSpc>
                 <a:spcPct val="100000"/>
@@ -9533,7 +10104,99 @@
                 <a:ea typeface="+mn-ea"/>
                 <a:cs typeface="Courier New" panose="02070309020205020404" pitchFamily="49" charset="0"/>
               </a:rPr>
-              <a:t>What strategies do you propose to help return transit to pre-pandemic levels?</a:t>
+              <a:t>Summarize some potential short- and longer-term implications the pandemic has had on sustainable transportation and public transit ridership?</a:t>
+            </a:r>
+          </a:p>
+        </p:txBody>
+      </p:sp>
+      <p:sp>
+        <p:nvSpPr>
+          <p:cNvPr id="8" name="TextBox 7">
+            <a:extLst>
+              <a:ext uri="{FF2B5EF4-FFF2-40B4-BE49-F238E27FC236}">
+                <a16:creationId xmlns:a16="http://schemas.microsoft.com/office/drawing/2014/main" id="{A6D699C6-DF86-5F46-D24B-11ED456A1CD6}"/>
+              </a:ext>
+            </a:extLst>
+          </p:cNvPr>
+          <p:cNvSpPr txBox="1"/>
+          <p:nvPr/>
+        </p:nvSpPr>
+        <p:spPr>
+          <a:xfrm>
+            <a:off x="4804486" y="3490954"/>
+            <a:ext cx="7143049" cy="646331"/>
+          </a:xfrm>
+          <a:prstGeom prst="rect">
+            <a:avLst/>
+          </a:prstGeom>
+          <a:noFill/>
+        </p:spPr>
+        <p:txBody>
+          <a:bodyPr wrap="square" rtlCol="0">
+            <a:spAutoFit/>
+          </a:bodyPr>
+          <a:lstStyle>
+            <a:defPPr>
+              <a:defRPr lang="en-US"/>
+            </a:defPPr>
+            <a:lvl1pPr marR="0" lvl="0" indent="0" fontAlgn="auto">
+              <a:lnSpc>
+                <a:spcPct val="100000"/>
+              </a:lnSpc>
+              <a:spcBef>
+                <a:spcPts val="0"/>
+              </a:spcBef>
+              <a:spcAft>
+                <a:spcPts val="0"/>
+              </a:spcAft>
+              <a:buClrTx/>
+              <a:buSzTx/>
+              <a:buFontTx/>
+              <a:buNone/>
+              <a:tabLst/>
+              <a:defRPr>
+                <a:solidFill>
+                  <a:prstClr val="black"/>
+                </a:solidFill>
+                <a:latin typeface="Calisto MT" panose="02040603050505030304"/>
+                <a:cs typeface="Courier New" panose="02070309020205020404" pitchFamily="49" charset="0"/>
+              </a:defRPr>
+            </a:lvl1pPr>
+          </a:lstStyle>
+          <a:p>
+            <a:pPr marL="0" marR="0" lvl="0" indent="0" algn="l" defTabSz="914400" rtl="0" eaLnBrk="1" fontAlgn="auto" latinLnBrk="0" hangingPunct="1">
+              <a:lnSpc>
+                <a:spcPct val="100000"/>
+              </a:lnSpc>
+              <a:spcBef>
+                <a:spcPts val="0"/>
+              </a:spcBef>
+              <a:spcAft>
+                <a:spcPts val="0"/>
+              </a:spcAft>
+              <a:buClrTx/>
+              <a:buSzTx/>
+              <a:buFontTx/>
+              <a:buNone/>
+              <a:tabLst/>
+              <a:defRPr/>
+            </a:pPr>
+            <a:r>
+              <a:rPr kumimoji="0" lang="en-US" sz="1800" b="0" i="0" u="none" strike="noStrike" kern="1200" cap="none" spc="0" normalizeH="0" baseline="0" noProof="0" dirty="0">
+                <a:ln>
+                  <a:noFill/>
+                </a:ln>
+                <a:solidFill>
+                  <a:prstClr val="black"/>
+                </a:solidFill>
+                <a:effectLst/>
+                <a:uLnTx/>
+                <a:uFillTx/>
+                <a:latin typeface="Calisto MT" panose="02040603050505030304"/>
+                <a:ea typeface="+mn-ea"/>
+                <a:cs typeface="Courier New" panose="02070309020205020404" pitchFamily="49" charset="0"/>
+              </a:rPr>
+              <a:t>What strategies do you propose to help return transit to pre-pandemic levels for the CTA lines you examined?</a:t>
             </a:r>
           </a:p>
         </p:txBody>
